--- a/e62989d4ad005404.pptx
+++ b/e62989d4ad005404.pptx
@@ -243,7 +243,7 @@
           <a:p>
             <a:fld id="{A606111D-0F32-4C2F-82BF-7AF88E784EB9}" type="datetimeFigureOut">
               <a:rPr lang="ko-KR" altLang="en-US" smtClean="0"/>
-              <a:t>2022-10-03</a:t>
+              <a:t>2022-10-10</a:t>
             </a:fld>
             <a:endParaRPr lang="ko-KR" altLang="en-US"/>
           </a:p>
@@ -413,7 +413,7 @@
           <a:p>
             <a:fld id="{A606111D-0F32-4C2F-82BF-7AF88E784EB9}" type="datetimeFigureOut">
               <a:rPr lang="ko-KR" altLang="en-US" smtClean="0"/>
-              <a:t>2022-10-03</a:t>
+              <a:t>2022-10-10</a:t>
             </a:fld>
             <a:endParaRPr lang="ko-KR" altLang="en-US"/>
           </a:p>
@@ -593,7 +593,7 @@
           <a:p>
             <a:fld id="{A606111D-0F32-4C2F-82BF-7AF88E784EB9}" type="datetimeFigureOut">
               <a:rPr lang="ko-KR" altLang="en-US" smtClean="0"/>
-              <a:t>2022-10-03</a:t>
+              <a:t>2022-10-10</a:t>
             </a:fld>
             <a:endParaRPr lang="ko-KR" altLang="en-US"/>
           </a:p>
@@ -763,7 +763,7 @@
           <a:p>
             <a:fld id="{A606111D-0F32-4C2F-82BF-7AF88E784EB9}" type="datetimeFigureOut">
               <a:rPr lang="ko-KR" altLang="en-US" smtClean="0"/>
-              <a:t>2022-10-03</a:t>
+              <a:t>2022-10-10</a:t>
             </a:fld>
             <a:endParaRPr lang="ko-KR" altLang="en-US"/>
           </a:p>
@@ -1009,7 +1009,7 @@
           <a:p>
             <a:fld id="{A606111D-0F32-4C2F-82BF-7AF88E784EB9}" type="datetimeFigureOut">
               <a:rPr lang="ko-KR" altLang="en-US" smtClean="0"/>
-              <a:t>2022-10-03</a:t>
+              <a:t>2022-10-10</a:t>
             </a:fld>
             <a:endParaRPr lang="ko-KR" altLang="en-US"/>
           </a:p>
@@ -1241,7 +1241,7 @@
           <a:p>
             <a:fld id="{A606111D-0F32-4C2F-82BF-7AF88E784EB9}" type="datetimeFigureOut">
               <a:rPr lang="ko-KR" altLang="en-US" smtClean="0"/>
-              <a:t>2022-10-03</a:t>
+              <a:t>2022-10-10</a:t>
             </a:fld>
             <a:endParaRPr lang="ko-KR" altLang="en-US"/>
           </a:p>
@@ -1608,7 +1608,7 @@
           <a:p>
             <a:fld id="{A606111D-0F32-4C2F-82BF-7AF88E784EB9}" type="datetimeFigureOut">
               <a:rPr lang="ko-KR" altLang="en-US" smtClean="0"/>
-              <a:t>2022-10-03</a:t>
+              <a:t>2022-10-10</a:t>
             </a:fld>
             <a:endParaRPr lang="ko-KR" altLang="en-US"/>
           </a:p>
@@ -1726,7 +1726,7 @@
           <a:p>
             <a:fld id="{A606111D-0F32-4C2F-82BF-7AF88E784EB9}" type="datetimeFigureOut">
               <a:rPr lang="ko-KR" altLang="en-US" smtClean="0"/>
-              <a:t>2022-10-03</a:t>
+              <a:t>2022-10-10</a:t>
             </a:fld>
             <a:endParaRPr lang="ko-KR" altLang="en-US"/>
           </a:p>
@@ -1821,7 +1821,7 @@
           <a:p>
             <a:fld id="{A606111D-0F32-4C2F-82BF-7AF88E784EB9}" type="datetimeFigureOut">
               <a:rPr lang="ko-KR" altLang="en-US" smtClean="0"/>
-              <a:t>2022-10-03</a:t>
+              <a:t>2022-10-10</a:t>
             </a:fld>
             <a:endParaRPr lang="ko-KR" altLang="en-US"/>
           </a:p>
@@ -2098,7 +2098,7 @@
           <a:p>
             <a:fld id="{A606111D-0F32-4C2F-82BF-7AF88E784EB9}" type="datetimeFigureOut">
               <a:rPr lang="ko-KR" altLang="en-US" smtClean="0"/>
-              <a:t>2022-10-03</a:t>
+              <a:t>2022-10-10</a:t>
             </a:fld>
             <a:endParaRPr lang="ko-KR" altLang="en-US"/>
           </a:p>
@@ -2351,7 +2351,7 @@
           <a:p>
             <a:fld id="{A606111D-0F32-4C2F-82BF-7AF88E784EB9}" type="datetimeFigureOut">
               <a:rPr lang="ko-KR" altLang="en-US" smtClean="0"/>
-              <a:t>2022-10-03</a:t>
+              <a:t>2022-10-10</a:t>
             </a:fld>
             <a:endParaRPr lang="ko-KR" altLang="en-US"/>
           </a:p>
@@ -2564,7 +2564,7 @@
           <a:p>
             <a:fld id="{A606111D-0F32-4C2F-82BF-7AF88E784EB9}" type="datetimeFigureOut">
               <a:rPr lang="ko-KR" altLang="en-US" smtClean="0"/>
-              <a:t>2022-10-03</a:t>
+              <a:t>2022-10-10</a:t>
             </a:fld>
             <a:endParaRPr lang="ko-KR" altLang="en-US"/>
           </a:p>
@@ -3956,28 +3956,28 @@
                 <a:gridCol w="2445411">
                   <a:extLst>
                     <a:ext uri="{9D8B030D-6E8A-4147-A177-3AD203B41FA5}">
-                      <a16:colId xmlns:a16="http://schemas.microsoft.com/office/drawing/2014/main" val="381954456"/>
+                      <a16:colId xmlns:a16="http://schemas.microsoft.com/office/drawing/2014/main" xmlns="" val="381954456"/>
                     </a:ext>
                   </a:extLst>
                 </a:gridCol>
                 <a:gridCol w="1991264">
                   <a:extLst>
                     <a:ext uri="{9D8B030D-6E8A-4147-A177-3AD203B41FA5}">
-                      <a16:colId xmlns:a16="http://schemas.microsoft.com/office/drawing/2014/main" val="1676915731"/>
+                      <a16:colId xmlns:a16="http://schemas.microsoft.com/office/drawing/2014/main" xmlns="" val="1676915731"/>
                     </a:ext>
                   </a:extLst>
                 </a:gridCol>
                 <a:gridCol w="1179037">
                   <a:extLst>
                     <a:ext uri="{9D8B030D-6E8A-4147-A177-3AD203B41FA5}">
-                      <a16:colId xmlns:a16="http://schemas.microsoft.com/office/drawing/2014/main" val="992916336"/>
+                      <a16:colId xmlns:a16="http://schemas.microsoft.com/office/drawing/2014/main" xmlns="" val="992916336"/>
                     </a:ext>
                   </a:extLst>
                 </a:gridCol>
                 <a:gridCol w="3144100">
                   <a:extLst>
                     <a:ext uri="{9D8B030D-6E8A-4147-A177-3AD203B41FA5}">
-                      <a16:colId xmlns:a16="http://schemas.microsoft.com/office/drawing/2014/main" val="2658356963"/>
+                      <a16:colId xmlns:a16="http://schemas.microsoft.com/office/drawing/2014/main" xmlns="" val="2658356963"/>
                     </a:ext>
                   </a:extLst>
                 </a:gridCol>
@@ -4055,7 +4055,7 @@
                 </a:tc>
                 <a:extLst>
                   <a:ext uri="{0D108BD9-81ED-4DB2-BD59-A6C34878D82A}">
-                    <a16:rowId xmlns:a16="http://schemas.microsoft.com/office/drawing/2014/main" val="4145573146"/>
+                    <a16:rowId xmlns:a16="http://schemas.microsoft.com/office/drawing/2014/main" xmlns="" val="4145573146"/>
                   </a:ext>
                 </a:extLst>
               </a:tr>
@@ -4158,7 +4158,7 @@
                 </a:tc>
                 <a:extLst>
                   <a:ext uri="{0D108BD9-81ED-4DB2-BD59-A6C34878D82A}">
-                    <a16:rowId xmlns:a16="http://schemas.microsoft.com/office/drawing/2014/main" val="560428229"/>
+                    <a16:rowId xmlns:a16="http://schemas.microsoft.com/office/drawing/2014/main" xmlns="" val="560428229"/>
                   </a:ext>
                 </a:extLst>
               </a:tr>
@@ -4261,7 +4261,7 @@
                 </a:tc>
                 <a:extLst>
                   <a:ext uri="{0D108BD9-81ED-4DB2-BD59-A6C34878D82A}">
-                    <a16:rowId xmlns:a16="http://schemas.microsoft.com/office/drawing/2014/main" val="3943568950"/>
+                    <a16:rowId xmlns:a16="http://schemas.microsoft.com/office/drawing/2014/main" xmlns="" val="3943568950"/>
                   </a:ext>
                 </a:extLst>
               </a:tr>
@@ -4364,7 +4364,7 @@
                 </a:tc>
                 <a:extLst>
                   <a:ext uri="{0D108BD9-81ED-4DB2-BD59-A6C34878D82A}">
-                    <a16:rowId xmlns:a16="http://schemas.microsoft.com/office/drawing/2014/main" val="1949259021"/>
+                    <a16:rowId xmlns:a16="http://schemas.microsoft.com/office/drawing/2014/main" xmlns="" val="1949259021"/>
                   </a:ext>
                 </a:extLst>
               </a:tr>
@@ -4467,7 +4467,7 @@
                 </a:tc>
                 <a:extLst>
                   <a:ext uri="{0D108BD9-81ED-4DB2-BD59-A6C34878D82A}">
-                    <a16:rowId xmlns:a16="http://schemas.microsoft.com/office/drawing/2014/main" val="2243064846"/>
+                    <a16:rowId xmlns:a16="http://schemas.microsoft.com/office/drawing/2014/main" xmlns="" val="2243064846"/>
                   </a:ext>
                 </a:extLst>
               </a:tr>
@@ -4570,7 +4570,7 @@
                 </a:tc>
                 <a:extLst>
                   <a:ext uri="{0D108BD9-81ED-4DB2-BD59-A6C34878D82A}">
-                    <a16:rowId xmlns:a16="http://schemas.microsoft.com/office/drawing/2014/main" val="3058986808"/>
+                    <a16:rowId xmlns:a16="http://schemas.microsoft.com/office/drawing/2014/main" xmlns="" val="3058986808"/>
                   </a:ext>
                 </a:extLst>
               </a:tr>
@@ -4745,6 +4745,43 @@
         <p:spPr>
           <a:xfrm>
             <a:off x="1386642" y="3980096"/>
+            <a:ext cx="1705916" cy="338554"/>
+          </a:xfrm>
+          <a:prstGeom prst="rect">
+            <a:avLst/>
+          </a:prstGeom>
+        </p:spPr>
+        <p:txBody>
+          <a:bodyPr wrap="none">
+            <a:spAutoFit/>
+          </a:bodyPr>
+          <a:lstStyle/>
+          <a:p>
+            <a:r>
+              <a:rPr lang="en-US" altLang="ko-KR" sz="1600" dirty="0" smtClean="0"/>
+              <a:t>2) </a:t>
+            </a:r>
+            <a:r>
+              <a:rPr lang="ko-KR" altLang="en-US" sz="1600" dirty="0"/>
+              <a:t>기본 API </a:t>
+            </a:r>
+            <a:r>
+              <a:rPr lang="ko-KR" altLang="en-US" sz="1600" dirty="0" smtClean="0"/>
+              <a:t>방식</a:t>
+            </a:r>
+            <a:endParaRPr lang="ko-KR" altLang="en-US" sz="1600" dirty="0"/>
+          </a:p>
+        </p:txBody>
+      </p:sp>
+      <p:sp>
+        <p:nvSpPr>
+          <p:cNvPr id="8" name="직사각형 7"/>
+          <p:cNvSpPr/>
+          <p:nvPr/>
+        </p:nvSpPr>
+        <p:spPr>
+          <a:xfrm>
+            <a:off x="1386642" y="1494576"/>
             <a:ext cx="1972784" cy="338554"/>
           </a:xfrm>
           <a:prstGeom prst="rect">
@@ -4759,52 +4796,23 @@
           <a:p>
             <a:r>
               <a:rPr lang="en-US" altLang="ko-KR" sz="1600" dirty="0" smtClean="0"/>
-              <a:t>2) </a:t>
+              <a:t>1) </a:t>
+            </a:r>
+            <a:r>
+              <a:rPr lang="ko-KR" altLang="en-US" sz="1600" dirty="0"/>
+              <a:t>REST</a:t>
+            </a:r>
+            <a:r>
+              <a:rPr lang="en-US" altLang="ko-KR" sz="1600" dirty="0" err="1"/>
+              <a:t>ful</a:t>
+            </a:r>
+            <a:r>
+              <a:rPr lang="ko-KR" altLang="en-US" sz="1600" dirty="0"/>
+              <a:t> API </a:t>
             </a:r>
             <a:r>
               <a:rPr lang="ko-KR" altLang="en-US" sz="1600" dirty="0" smtClean="0"/>
-              <a:t>REST</a:t>
-            </a:r>
-            <a:r>
-              <a:rPr lang="en-US" altLang="ko-KR" sz="1600" dirty="0" err="1" smtClean="0"/>
-              <a:t>ful</a:t>
-            </a:r>
-            <a:r>
-              <a:rPr lang="ko-KR" altLang="en-US" sz="1600" dirty="0" smtClean="0"/>
-              <a:t> API 방식</a:t>
-            </a:r>
-            <a:endParaRPr lang="ko-KR" altLang="en-US" sz="1600" dirty="0"/>
-          </a:p>
-        </p:txBody>
-      </p:sp>
-      <p:sp>
-        <p:nvSpPr>
-          <p:cNvPr id="8" name="직사각형 7"/>
-          <p:cNvSpPr/>
-          <p:nvPr/>
-        </p:nvSpPr>
-        <p:spPr>
-          <a:xfrm>
-            <a:off x="1386642" y="1494576"/>
-            <a:ext cx="1705916" cy="338554"/>
-          </a:xfrm>
-          <a:prstGeom prst="rect">
-            <a:avLst/>
-          </a:prstGeom>
-        </p:spPr>
-        <p:txBody>
-          <a:bodyPr wrap="none">
-            <a:spAutoFit/>
-          </a:bodyPr>
-          <a:lstStyle/>
-          <a:p>
-            <a:r>
-              <a:rPr lang="en-US" altLang="ko-KR" sz="1600" dirty="0" smtClean="0"/>
-              <a:t>1) </a:t>
-            </a:r>
-            <a:r>
-              <a:rPr lang="ko-KR" altLang="en-US" sz="1600" dirty="0" smtClean="0"/>
-              <a:t>기본 API 방식</a:t>
+              <a:t>방식</a:t>
             </a:r>
             <a:endParaRPr lang="ko-KR" altLang="en-US" sz="1600" dirty="0"/>
           </a:p>
@@ -4838,28 +4846,28 @@
                 <a:gridCol w="876605">
                   <a:extLst>
                     <a:ext uri="{9D8B030D-6E8A-4147-A177-3AD203B41FA5}">
-                      <a16:colId xmlns:a16="http://schemas.microsoft.com/office/drawing/2014/main" val="4114992929"/>
+                      <a16:colId xmlns:a16="http://schemas.microsoft.com/office/drawing/2014/main" xmlns="" val="4114992929"/>
                     </a:ext>
                   </a:extLst>
                 </a:gridCol>
                 <a:gridCol w="710352">
                   <a:extLst>
                     <a:ext uri="{9D8B030D-6E8A-4147-A177-3AD203B41FA5}">
-                      <a16:colId xmlns:a16="http://schemas.microsoft.com/office/drawing/2014/main" val="4096865359"/>
+                      <a16:colId xmlns:a16="http://schemas.microsoft.com/office/drawing/2014/main" xmlns="" val="4096865359"/>
                     </a:ext>
                   </a:extLst>
                 </a:gridCol>
                 <a:gridCol w="1103313">
                   <a:extLst>
                     <a:ext uri="{9D8B030D-6E8A-4147-A177-3AD203B41FA5}">
-                      <a16:colId xmlns:a16="http://schemas.microsoft.com/office/drawing/2014/main" val="4187394455"/>
+                      <a16:colId xmlns:a16="http://schemas.microsoft.com/office/drawing/2014/main" xmlns="" val="4187394455"/>
                     </a:ext>
                   </a:extLst>
                 </a:gridCol>
                 <a:gridCol w="1012629">
                   <a:extLst>
                     <a:ext uri="{9D8B030D-6E8A-4147-A177-3AD203B41FA5}">
-                      <a16:colId xmlns:a16="http://schemas.microsoft.com/office/drawing/2014/main" val="329290417"/>
+                      <a16:colId xmlns:a16="http://schemas.microsoft.com/office/drawing/2014/main" xmlns="" val="329290417"/>
                     </a:ext>
                   </a:extLst>
                 </a:gridCol>
@@ -4957,7 +4965,7 @@
                 </a:tc>
                 <a:extLst>
                   <a:ext uri="{0D108BD9-81ED-4DB2-BD59-A6C34878D82A}">
-                    <a16:rowId xmlns:a16="http://schemas.microsoft.com/office/drawing/2014/main" val="1118573965"/>
+                    <a16:rowId xmlns:a16="http://schemas.microsoft.com/office/drawing/2014/main" xmlns="" val="1118573965"/>
                   </a:ext>
                 </a:extLst>
               </a:tr>
@@ -5060,7 +5068,7 @@
                 </a:tc>
                 <a:extLst>
                   <a:ext uri="{0D108BD9-81ED-4DB2-BD59-A6C34878D82A}">
-                    <a16:rowId xmlns:a16="http://schemas.microsoft.com/office/drawing/2014/main" val="3887970552"/>
+                    <a16:rowId xmlns:a16="http://schemas.microsoft.com/office/drawing/2014/main" xmlns="" val="3887970552"/>
                   </a:ext>
                 </a:extLst>
               </a:tr>
@@ -5163,7 +5171,7 @@
                 </a:tc>
                 <a:extLst>
                   <a:ext uri="{0D108BD9-81ED-4DB2-BD59-A6C34878D82A}">
-                    <a16:rowId xmlns:a16="http://schemas.microsoft.com/office/drawing/2014/main" val="1359172379"/>
+                    <a16:rowId xmlns:a16="http://schemas.microsoft.com/office/drawing/2014/main" xmlns="" val="1359172379"/>
                   </a:ext>
                 </a:extLst>
               </a:tr>
@@ -5266,7 +5274,7 @@
                 </a:tc>
                 <a:extLst>
                   <a:ext uri="{0D108BD9-81ED-4DB2-BD59-A6C34878D82A}">
-                    <a16:rowId xmlns:a16="http://schemas.microsoft.com/office/drawing/2014/main" val="1243392954"/>
+                    <a16:rowId xmlns:a16="http://schemas.microsoft.com/office/drawing/2014/main" xmlns="" val="1243392954"/>
                   </a:ext>
                 </a:extLst>
               </a:tr>
@@ -5369,7 +5377,7 @@
                 </a:tc>
                 <a:extLst>
                   <a:ext uri="{0D108BD9-81ED-4DB2-BD59-A6C34878D82A}">
-                    <a16:rowId xmlns:a16="http://schemas.microsoft.com/office/drawing/2014/main" val="416498229"/>
+                    <a16:rowId xmlns:a16="http://schemas.microsoft.com/office/drawing/2014/main" xmlns="" val="416498229"/>
                   </a:ext>
                 </a:extLst>
               </a:tr>
@@ -5405,28 +5413,28 @@
                 <a:gridCol w="876605">
                   <a:extLst>
                     <a:ext uri="{9D8B030D-6E8A-4147-A177-3AD203B41FA5}">
-                      <a16:colId xmlns:a16="http://schemas.microsoft.com/office/drawing/2014/main" val="3736676823"/>
+                      <a16:colId xmlns:a16="http://schemas.microsoft.com/office/drawing/2014/main" xmlns="" val="3736676823"/>
                     </a:ext>
                   </a:extLst>
                 </a:gridCol>
                 <a:gridCol w="710352">
                   <a:extLst>
                     <a:ext uri="{9D8B030D-6E8A-4147-A177-3AD203B41FA5}">
-                      <a16:colId xmlns:a16="http://schemas.microsoft.com/office/drawing/2014/main" val="2287140979"/>
+                      <a16:colId xmlns:a16="http://schemas.microsoft.com/office/drawing/2014/main" xmlns="" val="2287140979"/>
                     </a:ext>
                   </a:extLst>
                 </a:gridCol>
                 <a:gridCol w="1103313">
                   <a:extLst>
                     <a:ext uri="{9D8B030D-6E8A-4147-A177-3AD203B41FA5}">
-                      <a16:colId xmlns:a16="http://schemas.microsoft.com/office/drawing/2014/main" val="1686576554"/>
+                      <a16:colId xmlns:a16="http://schemas.microsoft.com/office/drawing/2014/main" xmlns="" val="1686576554"/>
                     </a:ext>
                   </a:extLst>
                 </a:gridCol>
                 <a:gridCol w="1012630">
                   <a:extLst>
                     <a:ext uri="{9D8B030D-6E8A-4147-A177-3AD203B41FA5}">
-                      <a16:colId xmlns:a16="http://schemas.microsoft.com/office/drawing/2014/main" val="61465856"/>
+                      <a16:colId xmlns:a16="http://schemas.microsoft.com/office/drawing/2014/main" xmlns="" val="61465856"/>
                     </a:ext>
                   </a:extLst>
                 </a:gridCol>
@@ -5524,7 +5532,7 @@
                 </a:tc>
                 <a:extLst>
                   <a:ext uri="{0D108BD9-81ED-4DB2-BD59-A6C34878D82A}">
-                    <a16:rowId xmlns:a16="http://schemas.microsoft.com/office/drawing/2014/main" val="139025257"/>
+                    <a16:rowId xmlns:a16="http://schemas.microsoft.com/office/drawing/2014/main" xmlns="" val="139025257"/>
                   </a:ext>
                 </a:extLst>
               </a:tr>
@@ -5627,7 +5635,7 @@
                 </a:tc>
                 <a:extLst>
                   <a:ext uri="{0D108BD9-81ED-4DB2-BD59-A6C34878D82A}">
-                    <a16:rowId xmlns:a16="http://schemas.microsoft.com/office/drawing/2014/main" val="3952228961"/>
+                    <a16:rowId xmlns:a16="http://schemas.microsoft.com/office/drawing/2014/main" xmlns="" val="3952228961"/>
                   </a:ext>
                 </a:extLst>
               </a:tr>
@@ -5730,7 +5738,7 @@
                 </a:tc>
                 <a:extLst>
                   <a:ext uri="{0D108BD9-81ED-4DB2-BD59-A6C34878D82A}">
-                    <a16:rowId xmlns:a16="http://schemas.microsoft.com/office/drawing/2014/main" val="1279536629"/>
+                    <a16:rowId xmlns:a16="http://schemas.microsoft.com/office/drawing/2014/main" xmlns="" val="1279536629"/>
                   </a:ext>
                 </a:extLst>
               </a:tr>
@@ -5833,7 +5841,7 @@
                 </a:tc>
                 <a:extLst>
                   <a:ext uri="{0D108BD9-81ED-4DB2-BD59-A6C34878D82A}">
-                    <a16:rowId xmlns:a16="http://schemas.microsoft.com/office/drawing/2014/main" val="2018564138"/>
+                    <a16:rowId xmlns:a16="http://schemas.microsoft.com/office/drawing/2014/main" xmlns="" val="2018564138"/>
                   </a:ext>
                 </a:extLst>
               </a:tr>
@@ -5936,7 +5944,7 @@
                 </a:tc>
                 <a:extLst>
                   <a:ext uri="{0D108BD9-81ED-4DB2-BD59-A6C34878D82A}">
-                    <a16:rowId xmlns:a16="http://schemas.microsoft.com/office/drawing/2014/main" val="3903627009"/>
+                    <a16:rowId xmlns:a16="http://schemas.microsoft.com/office/drawing/2014/main" xmlns="" val="3903627009"/>
                   </a:ext>
                 </a:extLst>
               </a:tr>
@@ -6176,21 +6184,21 @@
                 <a:gridCol w="1302627">
                   <a:extLst>
                     <a:ext uri="{9D8B030D-6E8A-4147-A177-3AD203B41FA5}">
-                      <a16:colId xmlns:a16="http://schemas.microsoft.com/office/drawing/2014/main" val="3034017676"/>
+                      <a16:colId xmlns:a16="http://schemas.microsoft.com/office/drawing/2014/main" xmlns="" val="3034017676"/>
                     </a:ext>
                   </a:extLst>
                 </a:gridCol>
                 <a:gridCol w="1302627">
                   <a:extLst>
                     <a:ext uri="{9D8B030D-6E8A-4147-A177-3AD203B41FA5}">
-                      <a16:colId xmlns:a16="http://schemas.microsoft.com/office/drawing/2014/main" val="1163230993"/>
+                      <a16:colId xmlns:a16="http://schemas.microsoft.com/office/drawing/2014/main" xmlns="" val="1163230993"/>
                     </a:ext>
                   </a:extLst>
                 </a:gridCol>
                 <a:gridCol w="2064538">
                   <a:extLst>
                     <a:ext uri="{9D8B030D-6E8A-4147-A177-3AD203B41FA5}">
-                      <a16:colId xmlns:a16="http://schemas.microsoft.com/office/drawing/2014/main" val="1058076581"/>
+                      <a16:colId xmlns:a16="http://schemas.microsoft.com/office/drawing/2014/main" xmlns="" val="1058076581"/>
                     </a:ext>
                   </a:extLst>
                 </a:gridCol>
@@ -6270,7 +6278,7 @@
                 </a:tc>
                 <a:extLst>
                   <a:ext uri="{0D108BD9-81ED-4DB2-BD59-A6C34878D82A}">
-                    <a16:rowId xmlns:a16="http://schemas.microsoft.com/office/drawing/2014/main" val="3578789808"/>
+                    <a16:rowId xmlns:a16="http://schemas.microsoft.com/office/drawing/2014/main" xmlns="" val="3578789808"/>
                   </a:ext>
                 </a:extLst>
               </a:tr>
@@ -6306,35 +6314,35 @@
                 <a:gridCol w="1496526">
                   <a:extLst>
                     <a:ext uri="{9D8B030D-6E8A-4147-A177-3AD203B41FA5}">
-                      <a16:colId xmlns:a16="http://schemas.microsoft.com/office/drawing/2014/main" val="2177622590"/>
+                      <a16:colId xmlns:a16="http://schemas.microsoft.com/office/drawing/2014/main" xmlns="" val="2177622590"/>
                     </a:ext>
                   </a:extLst>
                 </a:gridCol>
                 <a:gridCol w="1496526">
                   <a:extLst>
                     <a:ext uri="{9D8B030D-6E8A-4147-A177-3AD203B41FA5}">
-                      <a16:colId xmlns:a16="http://schemas.microsoft.com/office/drawing/2014/main" val="4170658397"/>
+                      <a16:colId xmlns:a16="http://schemas.microsoft.com/office/drawing/2014/main" xmlns="" val="4170658397"/>
                     </a:ext>
                   </a:extLst>
                 </a:gridCol>
                 <a:gridCol w="1496526">
                   <a:extLst>
                     <a:ext uri="{9D8B030D-6E8A-4147-A177-3AD203B41FA5}">
-                      <a16:colId xmlns:a16="http://schemas.microsoft.com/office/drawing/2014/main" val="1818915449"/>
+                      <a16:colId xmlns:a16="http://schemas.microsoft.com/office/drawing/2014/main" xmlns="" val="1818915449"/>
                     </a:ext>
                   </a:extLst>
                 </a:gridCol>
                 <a:gridCol w="1496526">
                   <a:extLst>
                     <a:ext uri="{9D8B030D-6E8A-4147-A177-3AD203B41FA5}">
-                      <a16:colId xmlns:a16="http://schemas.microsoft.com/office/drawing/2014/main" val="4091664147"/>
+                      <a16:colId xmlns:a16="http://schemas.microsoft.com/office/drawing/2014/main" xmlns="" val="4091664147"/>
                     </a:ext>
                   </a:extLst>
                 </a:gridCol>
                 <a:gridCol w="1496526">
                   <a:extLst>
                     <a:ext uri="{9D8B030D-6E8A-4147-A177-3AD203B41FA5}">
-                      <a16:colId xmlns:a16="http://schemas.microsoft.com/office/drawing/2014/main" val="439882067"/>
+                      <a16:colId xmlns:a16="http://schemas.microsoft.com/office/drawing/2014/main" xmlns="" val="439882067"/>
                     </a:ext>
                   </a:extLst>
                 </a:gridCol>
@@ -6462,7 +6470,7 @@
                 </a:tc>
                 <a:extLst>
                   <a:ext uri="{0D108BD9-81ED-4DB2-BD59-A6C34878D82A}">
-                    <a16:rowId xmlns:a16="http://schemas.microsoft.com/office/drawing/2014/main" val="300212594"/>
+                    <a16:rowId xmlns:a16="http://schemas.microsoft.com/office/drawing/2014/main" xmlns="" val="300212594"/>
                   </a:ext>
                 </a:extLst>
               </a:tr>
@@ -6613,7 +6621,7 @@
                 </a:tc>
                 <a:extLst>
                   <a:ext uri="{0D108BD9-81ED-4DB2-BD59-A6C34878D82A}">
-                    <a16:rowId xmlns:a16="http://schemas.microsoft.com/office/drawing/2014/main" val="1329958743"/>
+                    <a16:rowId xmlns:a16="http://schemas.microsoft.com/office/drawing/2014/main" xmlns="" val="1329958743"/>
                   </a:ext>
                 </a:extLst>
               </a:tr>
@@ -6740,7 +6748,7 @@
                 </a:tc>
                 <a:extLst>
                   <a:ext uri="{0D108BD9-81ED-4DB2-BD59-A6C34878D82A}">
-                    <a16:rowId xmlns:a16="http://schemas.microsoft.com/office/drawing/2014/main" val="719741601"/>
+                    <a16:rowId xmlns:a16="http://schemas.microsoft.com/office/drawing/2014/main" xmlns="" val="719741601"/>
                   </a:ext>
                 </a:extLst>
               </a:tr>
@@ -6867,7 +6875,7 @@
                 </a:tc>
                 <a:extLst>
                   <a:ext uri="{0D108BD9-81ED-4DB2-BD59-A6C34878D82A}">
-                    <a16:rowId xmlns:a16="http://schemas.microsoft.com/office/drawing/2014/main" val="425196972"/>
+                    <a16:rowId xmlns:a16="http://schemas.microsoft.com/office/drawing/2014/main" xmlns="" val="425196972"/>
                   </a:ext>
                 </a:extLst>
               </a:tr>
@@ -6994,7 +7002,7 @@
                 </a:tc>
                 <a:extLst>
                   <a:ext uri="{0D108BD9-81ED-4DB2-BD59-A6C34878D82A}">
-                    <a16:rowId xmlns:a16="http://schemas.microsoft.com/office/drawing/2014/main" val="3353324029"/>
+                    <a16:rowId xmlns:a16="http://schemas.microsoft.com/office/drawing/2014/main" xmlns="" val="3353324029"/>
                   </a:ext>
                 </a:extLst>
               </a:tr>
@@ -7121,7 +7129,7 @@
                 </a:tc>
                 <a:extLst>
                   <a:ext uri="{0D108BD9-81ED-4DB2-BD59-A6C34878D82A}">
-                    <a16:rowId xmlns:a16="http://schemas.microsoft.com/office/drawing/2014/main" val="1368704955"/>
+                    <a16:rowId xmlns:a16="http://schemas.microsoft.com/office/drawing/2014/main" xmlns="" val="1368704955"/>
                   </a:ext>
                 </a:extLst>
               </a:tr>
@@ -7248,7 +7256,7 @@
                 </a:tc>
                 <a:extLst>
                   <a:ext uri="{0D108BD9-81ED-4DB2-BD59-A6C34878D82A}">
-                    <a16:rowId xmlns:a16="http://schemas.microsoft.com/office/drawing/2014/main" val="3471447095"/>
+                    <a16:rowId xmlns:a16="http://schemas.microsoft.com/office/drawing/2014/main" xmlns="" val="3471447095"/>
                   </a:ext>
                 </a:extLst>
               </a:tr>
@@ -8052,7 +8060,7 @@
     </a:clrScheme>
     <a:fontScheme name="Office">
       <a:majorFont>
-        <a:latin typeface="맑은 고딕" panose="020F0302020204030204"/>
+        <a:latin typeface="맑은 고딕"/>
         <a:ea typeface=""/>
         <a:cs typeface=""/>
         <a:font script="Jpan" typeface="游ゴシック Light"/>
@@ -8087,7 +8095,7 @@
         <a:font script="Geor" typeface="Sylfaen"/>
       </a:majorFont>
       <a:minorFont>
-        <a:latin typeface="맑은 고딕" panose="020F0502020204030204"/>
+        <a:latin typeface="맑은 고딕"/>
         <a:ea typeface=""/>
         <a:cs typeface=""/>
         <a:font script="Jpan" typeface="游ゴシック"/>
@@ -8264,7 +8272,7 @@
   <a:extraClrSchemeLst/>
   <a:extLst>
     <a:ext uri="{05A4C25C-085E-4340-85A3-A5531E510DB2}">
-      <thm15:themeFamily xmlns:thm15="http://schemas.microsoft.com/office/thememl/2012/main" name="Office Theme" id="{62F939B6-93AF-4DB8-9C6B-D6C7DFDC589F}" vid="{4A3C46E8-61CC-4603-A589-7422A47A8E4A}"/>
+      <thm15:themeFamily xmlns:thm15="http://schemas.microsoft.com/office/thememl/2012/main" xmlns="" name="Office Theme" id="{62F939B6-93AF-4DB8-9C6B-D6C7DFDC589F}" vid="{4A3C46E8-61CC-4603-A589-7422A47A8E4A}"/>
     </a:ext>
   </a:extLst>
 </a:theme>
